--- a/praesentationen/Woche1_Ergebnisse.pptx
+++ b/praesentationen/Woche1_Ergebnisse.pptx
@@ -14,6 +14,9 @@
     <p:sldId id="261" r:id="rId11"/>
     <p:sldId id="262" r:id="rId12"/>
     <p:sldId id="264" r:id="rId13"/>
+    <p:sldId id="266" r:id="rId14"/>
+    <p:sldId id="267" r:id="rId15"/>
+    <p:sldId id="265" r:id="rId16"/>
   </p:sldIdLst>
   <p:sldSz cx="12192000" cy="6858000"/>
   <p:notesSz cx="6858000" cy="9144000"/>
@@ -7336,7 +7339,7 @@
           <a:p>
             <a:fld id="{28556023-671E-42BF-A541-C4F920681D33}" type="datetimeFigureOut">
               <a:rPr lang="de-DE" smtClean="0"/>
-              <a:t>28.10.2022</a:t>
+              <a:t>30.11.2022</a:t>
             </a:fld>
             <a:endParaRPr lang="de-DE"/>
           </a:p>
@@ -7534,7 +7537,7 @@
           <a:p>
             <a:fld id="{28556023-671E-42BF-A541-C4F920681D33}" type="datetimeFigureOut">
               <a:rPr lang="de-DE" smtClean="0"/>
-              <a:t>28.10.2022</a:t>
+              <a:t>30.11.2022</a:t>
             </a:fld>
             <a:endParaRPr lang="de-DE"/>
           </a:p>
@@ -7742,7 +7745,7 @@
           <a:p>
             <a:fld id="{28556023-671E-42BF-A541-C4F920681D33}" type="datetimeFigureOut">
               <a:rPr lang="de-DE" smtClean="0"/>
-              <a:t>28.10.2022</a:t>
+              <a:t>30.11.2022</a:t>
             </a:fld>
             <a:endParaRPr lang="de-DE"/>
           </a:p>
@@ -7940,7 +7943,7 @@
           <a:p>
             <a:fld id="{28556023-671E-42BF-A541-C4F920681D33}" type="datetimeFigureOut">
               <a:rPr lang="de-DE" smtClean="0"/>
-              <a:t>28.10.2022</a:t>
+              <a:t>30.11.2022</a:t>
             </a:fld>
             <a:endParaRPr lang="de-DE"/>
           </a:p>
@@ -8215,7 +8218,7 @@
           <a:p>
             <a:fld id="{28556023-671E-42BF-A541-C4F920681D33}" type="datetimeFigureOut">
               <a:rPr lang="de-DE" smtClean="0"/>
-              <a:t>28.10.2022</a:t>
+              <a:t>30.11.2022</a:t>
             </a:fld>
             <a:endParaRPr lang="de-DE"/>
           </a:p>
@@ -8480,7 +8483,7 @@
           <a:p>
             <a:fld id="{28556023-671E-42BF-A541-C4F920681D33}" type="datetimeFigureOut">
               <a:rPr lang="de-DE" smtClean="0"/>
-              <a:t>28.10.2022</a:t>
+              <a:t>30.11.2022</a:t>
             </a:fld>
             <a:endParaRPr lang="de-DE"/>
           </a:p>
@@ -8892,7 +8895,7 @@
           <a:p>
             <a:fld id="{28556023-671E-42BF-A541-C4F920681D33}" type="datetimeFigureOut">
               <a:rPr lang="de-DE" smtClean="0"/>
-              <a:t>28.10.2022</a:t>
+              <a:t>30.11.2022</a:t>
             </a:fld>
             <a:endParaRPr lang="de-DE"/>
           </a:p>
@@ -9033,7 +9036,7 @@
           <a:p>
             <a:fld id="{28556023-671E-42BF-A541-C4F920681D33}" type="datetimeFigureOut">
               <a:rPr lang="de-DE" smtClean="0"/>
-              <a:t>28.10.2022</a:t>
+              <a:t>30.11.2022</a:t>
             </a:fld>
             <a:endParaRPr lang="de-DE"/>
           </a:p>
@@ -9146,7 +9149,7 @@
           <a:p>
             <a:fld id="{28556023-671E-42BF-A541-C4F920681D33}" type="datetimeFigureOut">
               <a:rPr lang="de-DE" smtClean="0"/>
-              <a:t>28.10.2022</a:t>
+              <a:t>30.11.2022</a:t>
             </a:fld>
             <a:endParaRPr lang="de-DE"/>
           </a:p>
@@ -9457,7 +9460,7 @@
           <a:p>
             <a:fld id="{28556023-671E-42BF-A541-C4F920681D33}" type="datetimeFigureOut">
               <a:rPr lang="de-DE" smtClean="0"/>
-              <a:t>28.10.2022</a:t>
+              <a:t>30.11.2022</a:t>
             </a:fld>
             <a:endParaRPr lang="de-DE"/>
           </a:p>
@@ -9745,7 +9748,7 @@
           <a:p>
             <a:fld id="{28556023-671E-42BF-A541-C4F920681D33}" type="datetimeFigureOut">
               <a:rPr lang="de-DE" smtClean="0"/>
-              <a:t>28.10.2022</a:t>
+              <a:t>30.11.2022</a:t>
             </a:fld>
             <a:endParaRPr lang="de-DE"/>
           </a:p>
@@ -9986,7 +9989,7 @@
           <a:p>
             <a:fld id="{28556023-671E-42BF-A541-C4F920681D33}" type="datetimeFigureOut">
               <a:rPr lang="de-DE" smtClean="0"/>
-              <a:t>28.10.2022</a:t>
+              <a:t>30.11.2022</a:t>
             </a:fld>
             <a:endParaRPr lang="de-DE"/>
           </a:p>
@@ -10538,6 +10541,466 @@
 </p:sld>
 </file>
 
+<file path=ppt/slides/slide10.xml><?xml version="1.0" encoding="utf-8"?>
+<p:sld xmlns:a="http://schemas.openxmlformats.org/drawingml/2006/main" xmlns:r="http://schemas.openxmlformats.org/officeDocument/2006/relationships" xmlns:p="http://schemas.openxmlformats.org/presentationml/2006/main">
+  <p:cSld>
+    <p:spTree>
+      <p:nvGrpSpPr>
+        <p:cNvPr id="1" name=""/>
+        <p:cNvGrpSpPr/>
+        <p:nvPr/>
+      </p:nvGrpSpPr>
+      <p:grpSpPr>
+        <a:xfrm>
+          <a:off x="0" y="0"/>
+          <a:ext cx="0" cy="0"/>
+          <a:chOff x="0" y="0"/>
+          <a:chExt cx="0" cy="0"/>
+        </a:xfrm>
+      </p:grpSpPr>
+      <p:sp>
+        <p:nvSpPr>
+          <p:cNvPr id="3" name="Inhaltsplatzhalter 2">
+            <a:extLst>
+              <a:ext uri="{FF2B5EF4-FFF2-40B4-BE49-F238E27FC236}">
+                <a16:creationId xmlns:a16="http://schemas.microsoft.com/office/drawing/2014/main" id="{223E7ADB-4892-9D40-BC7F-D06E0B8CC549}"/>
+              </a:ext>
+            </a:extLst>
+          </p:cNvPr>
+          <p:cNvSpPr>
+            <a:spLocks noGrp="1"/>
+          </p:cNvSpPr>
+          <p:nvPr>
+            <p:ph idx="1"/>
+          </p:nvPr>
+        </p:nvSpPr>
+        <p:spPr>
+          <a:xfrm>
+            <a:off x="2021305" y="336884"/>
+            <a:ext cx="9332495" cy="6244390"/>
+          </a:xfrm>
+        </p:spPr>
+        <p:txBody>
+          <a:bodyPr>
+            <a:normAutofit lnSpcReduction="10000"/>
+          </a:bodyPr>
+          <a:lstStyle/>
+          <a:p>
+            <a:r>
+              <a:rPr lang="de-DE" dirty="0"/>
+              <a:t>Präsentationsfähigkeit herstellen</a:t>
+            </a:r>
+          </a:p>
+          <a:p>
+            <a:r>
+              <a:rPr lang="de-DE" dirty="0" err="1"/>
+              <a:t>Inference</a:t>
+            </a:r>
+            <a:r>
+              <a:rPr lang="de-DE" dirty="0"/>
+              <a:t> + Skript für Raspberry Pi</a:t>
+            </a:r>
+          </a:p>
+          <a:p>
+            <a:r>
+              <a:rPr lang="de-DE" dirty="0"/>
+              <a:t>Zuverlässiges erkennen der Pakete</a:t>
+            </a:r>
+          </a:p>
+          <a:p>
+            <a:r>
+              <a:rPr lang="de-DE" dirty="0"/>
+              <a:t>Ordnung</a:t>
+            </a:r>
+          </a:p>
+          <a:p>
+            <a:pPr marL="0" indent="0">
+              <a:buNone/>
+            </a:pPr>
+            <a:endParaRPr lang="de-DE" dirty="0"/>
+          </a:p>
+          <a:p>
+            <a:pPr marL="0" indent="0">
+              <a:buNone/>
+            </a:pPr>
+            <a:endParaRPr lang="de-DE" dirty="0"/>
+          </a:p>
+          <a:p>
+            <a:r>
+              <a:rPr lang="de-DE" dirty="0"/>
+              <a:t>Training</a:t>
+            </a:r>
+          </a:p>
+          <a:p>
+            <a:r>
+              <a:rPr lang="de-DE" dirty="0" err="1"/>
+              <a:t>Git</a:t>
+            </a:r>
+            <a:r>
+              <a:rPr lang="de-DE" dirty="0"/>
+              <a:t> aufräumen</a:t>
+            </a:r>
+          </a:p>
+          <a:p>
+            <a:r>
+              <a:rPr lang="de-DE" dirty="0"/>
+              <a:t>Pixel kategorisieren</a:t>
+            </a:r>
+          </a:p>
+          <a:p>
+            <a:r>
+              <a:rPr lang="de-DE" dirty="0"/>
+              <a:t>Gelbe Pixel erkennen</a:t>
+            </a:r>
+          </a:p>
+          <a:p>
+            <a:r>
+              <a:rPr lang="de-DE" dirty="0"/>
+              <a:t>Trainingsdaten sammeln</a:t>
+            </a:r>
+          </a:p>
+          <a:p>
+            <a:r>
+              <a:rPr lang="de-DE" dirty="0"/>
+              <a:t>Mockup</a:t>
+            </a:r>
+          </a:p>
+          <a:p>
+            <a:r>
+              <a:rPr lang="de-DE" dirty="0"/>
+              <a:t>Idee</a:t>
+            </a:r>
+          </a:p>
+        </p:txBody>
+      </p:sp>
+      <p:sp>
+        <p:nvSpPr>
+          <p:cNvPr id="4" name="Rechteck 3">
+            <a:extLst>
+              <a:ext uri="{FF2B5EF4-FFF2-40B4-BE49-F238E27FC236}">
+                <a16:creationId xmlns:a16="http://schemas.microsoft.com/office/drawing/2014/main" id="{B2FCC1C5-FD75-BDBE-2EE0-CE99BF5C5BD9}"/>
+              </a:ext>
+            </a:extLst>
+          </p:cNvPr>
+          <p:cNvSpPr/>
+          <p:nvPr/>
+        </p:nvSpPr>
+        <p:spPr>
+          <a:xfrm rot="16200000">
+            <a:off x="-1935080" y="2921667"/>
+            <a:ext cx="6244391" cy="1074821"/>
+          </a:xfrm>
+          <a:prstGeom prst="rect">
+            <a:avLst/>
+          </a:prstGeom>
+          <a:solidFill>
+            <a:schemeClr val="bg1"/>
+          </a:solidFill>
+          <a:ln w="76200">
+            <a:solidFill>
+              <a:schemeClr val="accent1"/>
+            </a:solidFill>
+          </a:ln>
+        </p:spPr>
+        <p:style>
+          <a:lnRef idx="2">
+            <a:schemeClr val="accent1">
+              <a:shade val="50000"/>
+            </a:schemeClr>
+          </a:lnRef>
+          <a:fillRef idx="1">
+            <a:schemeClr val="accent1"/>
+          </a:fillRef>
+          <a:effectRef idx="0">
+            <a:schemeClr val="accent1"/>
+          </a:effectRef>
+          <a:fontRef idx="minor">
+            <a:schemeClr val="lt1"/>
+          </a:fontRef>
+        </p:style>
+        <p:txBody>
+          <a:bodyPr rtlCol="0" anchor="ctr"/>
+          <a:lstStyle/>
+          <a:p>
+            <a:pPr algn="ctr"/>
+            <a:r>
+              <a:rPr lang="de-DE" sz="3600" dirty="0">
+                <a:solidFill>
+                  <a:schemeClr val="tx1"/>
+                </a:solidFill>
+              </a:rPr>
+              <a:t>Progress</a:t>
+            </a:r>
+          </a:p>
+        </p:txBody>
+      </p:sp>
+      <p:sp>
+        <p:nvSpPr>
+          <p:cNvPr id="5" name="Rechteck 4">
+            <a:extLst>
+              <a:ext uri="{FF2B5EF4-FFF2-40B4-BE49-F238E27FC236}">
+                <a16:creationId xmlns:a16="http://schemas.microsoft.com/office/drawing/2014/main" id="{66DB5165-B59C-8557-000F-34BB2BF0A60C}"/>
+              </a:ext>
+            </a:extLst>
+          </p:cNvPr>
+          <p:cNvSpPr/>
+          <p:nvPr/>
+        </p:nvSpPr>
+        <p:spPr>
+          <a:xfrm>
+            <a:off x="649704" y="2681056"/>
+            <a:ext cx="1074823" cy="3900217"/>
+          </a:xfrm>
+          <a:prstGeom prst="rect">
+            <a:avLst/>
+          </a:prstGeom>
+          <a:solidFill>
+            <a:schemeClr val="accent6">
+              <a:alpha val="32000"/>
+            </a:schemeClr>
+          </a:solidFill>
+        </p:spPr>
+        <p:style>
+          <a:lnRef idx="2">
+            <a:schemeClr val="accent1">
+              <a:shade val="50000"/>
+            </a:schemeClr>
+          </a:lnRef>
+          <a:fillRef idx="1">
+            <a:schemeClr val="accent1"/>
+          </a:fillRef>
+          <a:effectRef idx="0">
+            <a:schemeClr val="accent1"/>
+          </a:effectRef>
+          <a:fontRef idx="minor">
+            <a:schemeClr val="lt1"/>
+          </a:fontRef>
+        </p:style>
+        <p:txBody>
+          <a:bodyPr rtlCol="0" anchor="ctr"/>
+          <a:lstStyle/>
+          <a:p>
+            <a:pPr algn="ctr"/>
+            <a:endParaRPr lang="de-DE"/>
+          </a:p>
+        </p:txBody>
+      </p:sp>
+    </p:spTree>
+    <p:extLst>
+      <p:ext uri="{BB962C8B-B14F-4D97-AF65-F5344CB8AC3E}">
+        <p14:creationId xmlns:p14="http://schemas.microsoft.com/office/powerpoint/2010/main" val="3347798819"/>
+      </p:ext>
+    </p:extLst>
+  </p:cSld>
+  <p:clrMapOvr>
+    <a:masterClrMapping/>
+  </p:clrMapOvr>
+</p:sld>
+</file>
+
+<file path=ppt/slides/slide11.xml><?xml version="1.0" encoding="utf-8"?>
+<p:sld xmlns:a="http://schemas.openxmlformats.org/drawingml/2006/main" xmlns:r="http://schemas.openxmlformats.org/officeDocument/2006/relationships" xmlns:p="http://schemas.openxmlformats.org/presentationml/2006/main">
+  <p:cSld>
+    <p:spTree>
+      <p:nvGrpSpPr>
+        <p:cNvPr id="1" name=""/>
+        <p:cNvGrpSpPr/>
+        <p:nvPr/>
+      </p:nvGrpSpPr>
+      <p:grpSpPr>
+        <a:xfrm>
+          <a:off x="0" y="0"/>
+          <a:ext cx="0" cy="0"/>
+          <a:chOff x="0" y="0"/>
+          <a:chExt cx="0" cy="0"/>
+        </a:xfrm>
+      </p:grpSpPr>
+      <p:sp>
+        <p:nvSpPr>
+          <p:cNvPr id="2" name="Titel 1">
+            <a:extLst>
+              <a:ext uri="{FF2B5EF4-FFF2-40B4-BE49-F238E27FC236}">
+                <a16:creationId xmlns:a16="http://schemas.microsoft.com/office/drawing/2014/main" id="{2593143B-26E9-EE11-8F91-23A64BEAA52E}"/>
+              </a:ext>
+            </a:extLst>
+          </p:cNvPr>
+          <p:cNvSpPr>
+            <a:spLocks noGrp="1"/>
+          </p:cNvSpPr>
+          <p:nvPr>
+            <p:ph type="title"/>
+          </p:nvPr>
+        </p:nvSpPr>
+        <p:spPr/>
+        <p:txBody>
+          <a:bodyPr/>
+          <a:lstStyle/>
+          <a:p>
+            <a:r>
+              <a:rPr lang="de-DE" dirty="0"/>
+              <a:t>Wochenaussicht</a:t>
+            </a:r>
+          </a:p>
+        </p:txBody>
+      </p:sp>
+      <p:sp>
+        <p:nvSpPr>
+          <p:cNvPr id="3" name="Inhaltsplatzhalter 2">
+            <a:extLst>
+              <a:ext uri="{FF2B5EF4-FFF2-40B4-BE49-F238E27FC236}">
+                <a16:creationId xmlns:a16="http://schemas.microsoft.com/office/drawing/2014/main" id="{C9DBBD25-1F69-16DF-A1C4-42243AA40C80}"/>
+              </a:ext>
+            </a:extLst>
+          </p:cNvPr>
+          <p:cNvSpPr>
+            <a:spLocks noGrp="1"/>
+          </p:cNvSpPr>
+          <p:nvPr>
+            <p:ph idx="1"/>
+          </p:nvPr>
+        </p:nvSpPr>
+        <p:spPr/>
+        <p:txBody>
+          <a:bodyPr/>
+          <a:lstStyle/>
+          <a:p>
+            <a:r>
+              <a:rPr lang="de-DE" dirty="0" err="1"/>
+              <a:t>Accuracy</a:t>
+            </a:r>
+            <a:r>
+              <a:rPr lang="de-DE" dirty="0"/>
+              <a:t> gering --&gt; verbessern</a:t>
+            </a:r>
+          </a:p>
+          <a:p>
+            <a:r>
+              <a:rPr lang="de-DE" dirty="0"/>
+              <a:t>Neue/s Feature entwickeln</a:t>
+            </a:r>
+          </a:p>
+          <a:p>
+            <a:endParaRPr lang="de-DE" dirty="0"/>
+          </a:p>
+        </p:txBody>
+      </p:sp>
+    </p:spTree>
+    <p:extLst>
+      <p:ext uri="{BB962C8B-B14F-4D97-AF65-F5344CB8AC3E}">
+        <p14:creationId xmlns:p14="http://schemas.microsoft.com/office/powerpoint/2010/main" val="1797363788"/>
+      </p:ext>
+    </p:extLst>
+  </p:cSld>
+  <p:clrMapOvr>
+    <a:masterClrMapping/>
+  </p:clrMapOvr>
+</p:sld>
+</file>
+
+<file path=ppt/slides/slide12.xml><?xml version="1.0" encoding="utf-8"?>
+<p:sld xmlns:a="http://schemas.openxmlformats.org/drawingml/2006/main" xmlns:r="http://schemas.openxmlformats.org/officeDocument/2006/relationships" xmlns:p="http://schemas.openxmlformats.org/presentationml/2006/main">
+  <p:cSld>
+    <p:spTree>
+      <p:nvGrpSpPr>
+        <p:cNvPr id="1" name=""/>
+        <p:cNvGrpSpPr/>
+        <p:nvPr/>
+      </p:nvGrpSpPr>
+      <p:grpSpPr>
+        <a:xfrm>
+          <a:off x="0" y="0"/>
+          <a:ext cx="0" cy="0"/>
+          <a:chOff x="0" y="0"/>
+          <a:chExt cx="0" cy="0"/>
+        </a:xfrm>
+      </p:grpSpPr>
+      <p:sp>
+        <p:nvSpPr>
+          <p:cNvPr id="2" name="Titel 1">
+            <a:extLst>
+              <a:ext uri="{FF2B5EF4-FFF2-40B4-BE49-F238E27FC236}">
+                <a16:creationId xmlns:a16="http://schemas.microsoft.com/office/drawing/2014/main" id="{75B3EACB-9C8E-1348-8AA1-4E68AD65E679}"/>
+              </a:ext>
+            </a:extLst>
+          </p:cNvPr>
+          <p:cNvSpPr>
+            <a:spLocks noGrp="1"/>
+          </p:cNvSpPr>
+          <p:nvPr>
+            <p:ph type="title"/>
+          </p:nvPr>
+        </p:nvSpPr>
+        <p:spPr/>
+        <p:txBody>
+          <a:bodyPr/>
+          <a:lstStyle/>
+          <a:p>
+            <a:r>
+              <a:rPr lang="de-DE" dirty="0"/>
+              <a:t>Lerneffekte</a:t>
+            </a:r>
+          </a:p>
+        </p:txBody>
+      </p:sp>
+      <p:sp>
+        <p:nvSpPr>
+          <p:cNvPr id="3" name="Inhaltsplatzhalter 2">
+            <a:extLst>
+              <a:ext uri="{FF2B5EF4-FFF2-40B4-BE49-F238E27FC236}">
+                <a16:creationId xmlns:a16="http://schemas.microsoft.com/office/drawing/2014/main" id="{CAC2BCE8-A486-E8F1-D79A-A96ED05354FA}"/>
+              </a:ext>
+            </a:extLst>
+          </p:cNvPr>
+          <p:cNvSpPr>
+            <a:spLocks noGrp="1"/>
+          </p:cNvSpPr>
+          <p:nvPr>
+            <p:ph idx="1"/>
+          </p:nvPr>
+        </p:nvSpPr>
+        <p:spPr/>
+        <p:txBody>
+          <a:bodyPr/>
+          <a:lstStyle/>
+          <a:p>
+            <a:r>
+              <a:rPr lang="de-DE" dirty="0"/>
+              <a:t>HSV-Spektrum </a:t>
+            </a:r>
+          </a:p>
+          <a:p>
+            <a:r>
+              <a:rPr lang="de-DE" dirty="0"/>
+              <a:t>Kompetenz in Python</a:t>
+            </a:r>
+          </a:p>
+          <a:p>
+            <a:r>
+              <a:rPr lang="de-DE" dirty="0"/>
+              <a:t>Neuronales Netz angewendet</a:t>
+            </a:r>
+          </a:p>
+          <a:p>
+            <a:r>
+              <a:rPr lang="de-DE" dirty="0"/>
+              <a:t>Grundverständnis in GitHub</a:t>
+            </a:r>
+          </a:p>
+        </p:txBody>
+      </p:sp>
+    </p:spTree>
+    <p:extLst>
+      <p:ext uri="{BB962C8B-B14F-4D97-AF65-F5344CB8AC3E}">
+        <p14:creationId xmlns:p14="http://schemas.microsoft.com/office/powerpoint/2010/main" val="1138850087"/>
+      </p:ext>
+    </p:extLst>
+  </p:cSld>
+  <p:clrMapOvr>
+    <a:masterClrMapping/>
+  </p:clrMapOvr>
+</p:sld>
+</file>
+
 <file path=ppt/slides/slide2.xml><?xml version="1.0" encoding="utf-8"?>
 <p:sld xmlns:a="http://schemas.openxmlformats.org/drawingml/2006/main" xmlns:r="http://schemas.openxmlformats.org/officeDocument/2006/relationships" xmlns:p="http://schemas.openxmlformats.org/presentationml/2006/main">
   <p:cSld>
@@ -23143,21 +23606,6 @@
 </file>
 
 <file path=customXml/item1.xml><?xml version="1.0" encoding="utf-8"?>
-<p:properties xmlns:p="http://schemas.microsoft.com/office/2006/metadata/properties" xmlns:xsi="http://www.w3.org/2001/XMLSchema-instance" xmlns:pc="http://schemas.microsoft.com/office/infopath/2007/PartnerControls">
-  <documentManagement/>
-</p:properties>
-</file>
-
-<file path=customXml/item2.xml><?xml version="1.0" encoding="utf-8"?>
-<?mso-contentType ?>
-<FormTemplates xmlns="http://schemas.microsoft.com/sharepoint/v3/contenttype/forms">
-  <Display>DocumentLibraryForm</Display>
-  <Edit>DocumentLibraryForm</Edit>
-  <New>DocumentLibraryForm</New>
-</FormTemplates>
-</file>
-
-<file path=customXml/item3.xml><?xml version="1.0" encoding="utf-8"?>
 <ct:contentTypeSchema xmlns:ct="http://schemas.microsoft.com/office/2006/metadata/contentType" xmlns:ma="http://schemas.microsoft.com/office/2006/metadata/properties/metaAttributes" ct:_="" ma:_="" ma:contentTypeName="Dokument" ma:contentTypeID="0x01010013DA34FFD23D724DA6D124D232B0C48B" ma:contentTypeVersion="2" ma:contentTypeDescription="Ein neues Dokument erstellen." ma:contentTypeScope="" ma:versionID="12faabf6fdc06e21e8350a32819c1539">
   <xsd:schema xmlns:xsd="http://www.w3.org/2001/XMLSchema" xmlns:xs="http://www.w3.org/2001/XMLSchema" xmlns:p="http://schemas.microsoft.com/office/2006/metadata/properties" xmlns:ns3="2f08a94a-169f-4fb0-94ff-23a1d20791ce" targetNamespace="http://schemas.microsoft.com/office/2006/metadata/properties" ma:root="true" ma:fieldsID="1b976c1922399edfe6145880681cfb33" ns3:_="">
     <xsd:import namespace="2f08a94a-169f-4fb0-94ff-23a1d20791ce"/>
@@ -23289,31 +23737,22 @@
 </ct:contentTypeSchema>
 </file>
 
+<file path=customXml/item2.xml><?xml version="1.0" encoding="utf-8"?>
+<?mso-contentType ?>
+<FormTemplates xmlns="http://schemas.microsoft.com/sharepoint/v3/contenttype/forms">
+  <Display>DocumentLibraryForm</Display>
+  <Edit>DocumentLibraryForm</Edit>
+  <New>DocumentLibraryForm</New>
+</FormTemplates>
+</file>
+
+<file path=customXml/item3.xml><?xml version="1.0" encoding="utf-8"?>
+<p:properties xmlns:p="http://schemas.microsoft.com/office/2006/metadata/properties" xmlns:xsi="http://www.w3.org/2001/XMLSchema-instance" xmlns:pc="http://schemas.microsoft.com/office/infopath/2007/PartnerControls">
+  <documentManagement/>
+</p:properties>
+</file>
+
 <file path=customXml/itemProps1.xml><?xml version="1.0" encoding="utf-8"?>
-<ds:datastoreItem xmlns:ds="http://schemas.openxmlformats.org/officeDocument/2006/customXml" ds:itemID="{FEEEB3F1-E176-4FC4-9649-E7AA324880EA}">
-  <ds:schemaRefs>
-    <ds:schemaRef ds:uri="http://purl.org/dc/dcmitype/"/>
-    <ds:schemaRef ds:uri="http://purl.org/dc/elements/1.1/"/>
-    <ds:schemaRef ds:uri="http://www.w3.org/XML/1998/namespace"/>
-    <ds:schemaRef ds:uri="2f08a94a-169f-4fb0-94ff-23a1d20791ce"/>
-    <ds:schemaRef ds:uri="http://purl.org/dc/terms/"/>
-    <ds:schemaRef ds:uri="http://schemas.microsoft.com/office/2006/documentManagement/types"/>
-    <ds:schemaRef ds:uri="http://schemas.microsoft.com/office/infopath/2007/PartnerControls"/>
-    <ds:schemaRef ds:uri="http://schemas.openxmlformats.org/package/2006/metadata/core-properties"/>
-    <ds:schemaRef ds:uri="http://schemas.microsoft.com/office/2006/metadata/properties"/>
-  </ds:schemaRefs>
-</ds:datastoreItem>
-</file>
-
-<file path=customXml/itemProps2.xml><?xml version="1.0" encoding="utf-8"?>
-<ds:datastoreItem xmlns:ds="http://schemas.openxmlformats.org/officeDocument/2006/customXml" ds:itemID="{1F8D0725-EF16-4B3D-999D-B89425DB8ECA}">
-  <ds:schemaRefs>
-    <ds:schemaRef ds:uri="http://schemas.microsoft.com/sharepoint/v3/contenttype/forms"/>
-  </ds:schemaRefs>
-</ds:datastoreItem>
-</file>
-
-<file path=customXml/itemProps3.xml><?xml version="1.0" encoding="utf-8"?>
 <ds:datastoreItem xmlns:ds="http://schemas.openxmlformats.org/officeDocument/2006/customXml" ds:itemID="{587EC3BD-8604-4FBC-8E1A-76CDAA3DA85F}">
   <ds:schemaRefs>
     <ds:schemaRef ds:uri="http://schemas.microsoft.com/office/2006/metadata/contentType"/>
@@ -23329,4 +23768,28 @@
     <ds:schemaRef ds:uri="http://schemas.microsoft.com/internal/obd"/>
   </ds:schemaRefs>
 </ds:datastoreItem>
+</file>
+
+<file path=customXml/itemProps2.xml><?xml version="1.0" encoding="utf-8"?>
+<ds:datastoreItem xmlns:ds="http://schemas.openxmlformats.org/officeDocument/2006/customXml" ds:itemID="{1F8D0725-EF16-4B3D-999D-B89425DB8ECA}">
+  <ds:schemaRefs>
+    <ds:schemaRef ds:uri="http://schemas.microsoft.com/sharepoint/v3/contenttype/forms"/>
+  </ds:schemaRefs>
+</ds:datastoreItem>
+</file>
+
+<file path=customXml/itemProps3.xml><?xml version="1.0" encoding="utf-8"?>
+<ds:datastoreItem xmlns:ds="http://schemas.openxmlformats.org/officeDocument/2006/customXml" ds:itemID="{FEEEB3F1-E176-4FC4-9649-E7AA324880EA}">
+  <ds:schemaRefs>
+    <ds:schemaRef ds:uri="http://purl.org/dc/dcmitype/"/>
+    <ds:schemaRef ds:uri="http://purl.org/dc/elements/1.1/"/>
+    <ds:schemaRef ds:uri="http://www.w3.org/XML/1998/namespace"/>
+    <ds:schemaRef ds:uri="2f08a94a-169f-4fb0-94ff-23a1d20791ce"/>
+    <ds:schemaRef ds:uri="http://purl.org/dc/terms/"/>
+    <ds:schemaRef ds:uri="http://schemas.microsoft.com/office/2006/documentManagement/types"/>
+    <ds:schemaRef ds:uri="http://schemas.microsoft.com/office/infopath/2007/PartnerControls"/>
+    <ds:schemaRef ds:uri="http://schemas.openxmlformats.org/package/2006/metadata/core-properties"/>
+    <ds:schemaRef ds:uri="http://schemas.microsoft.com/office/2006/metadata/properties"/>
+  </ds:schemaRefs>
+</ds:datastoreItem>
 </file>
--- a/praesentationen/Woche1_Ergebnisse.pptx
+++ b/praesentationen/Woche1_Ergebnisse.pptx
@@ -13,10 +13,9 @@
     <p:sldId id="263" r:id="rId10"/>
     <p:sldId id="261" r:id="rId11"/>
     <p:sldId id="262" r:id="rId12"/>
-    <p:sldId id="264" r:id="rId13"/>
-    <p:sldId id="266" r:id="rId14"/>
-    <p:sldId id="267" r:id="rId15"/>
-    <p:sldId id="265" r:id="rId16"/>
+    <p:sldId id="266" r:id="rId13"/>
+    <p:sldId id="267" r:id="rId14"/>
+    <p:sldId id="265" r:id="rId15"/>
   </p:sldIdLst>
   <p:sldSz cx="12192000" cy="6858000"/>
   <p:notesSz cx="6858000" cy="9144000"/>
@@ -116,6 +115,29 @@
     </a:lvl9pPr>
   </p:defaultTextStyle>
   <p:extLst>
+    <p:ext uri="{521415D9-36F7-43E2-AB2F-B90AF26B5E84}">
+      <p14:sectionLst xmlns:p14="http://schemas.microsoft.com/office/powerpoint/2010/main">
+        <p14:section name="Standardabschnitt" id="{6CC2AE6F-17D3-4BA5-BD29-060E2B51EC3D}">
+          <p14:sldIdLst>
+            <p14:sldId id="256"/>
+            <p14:sldId id="257"/>
+            <p14:sldId id="258"/>
+            <p14:sldId id="259"/>
+            <p14:sldId id="260"/>
+            <p14:sldId id="263"/>
+            <p14:sldId id="261"/>
+          </p14:sldIdLst>
+        </p14:section>
+        <p14:section name="Abschnitt ohne Titel" id="{51D072C9-E0EB-451D-9506-C3288CF0FAEA}">
+          <p14:sldIdLst>
+            <p14:sldId id="262"/>
+            <p14:sldId id="266"/>
+            <p14:sldId id="267"/>
+            <p14:sldId id="265"/>
+          </p14:sldIdLst>
+        </p14:section>
+      </p14:sectionLst>
+    </p:ext>
     <p:ext uri="{EFAFB233-063F-42B5-8137-9DF3F51BA10A}">
       <p15:sldGuideLst xmlns:p15="http://schemas.microsoft.com/office/powerpoint/2012/main"/>
     </p:ext>
@@ -7339,7 +7361,7 @@
           <a:p>
             <a:fld id="{28556023-671E-42BF-A541-C4F920681D33}" type="datetimeFigureOut">
               <a:rPr lang="de-DE" smtClean="0"/>
-              <a:t>30.11.2022</a:t>
+              <a:t>19.01.2023</a:t>
             </a:fld>
             <a:endParaRPr lang="de-DE"/>
           </a:p>
@@ -7537,7 +7559,7 @@
           <a:p>
             <a:fld id="{28556023-671E-42BF-A541-C4F920681D33}" type="datetimeFigureOut">
               <a:rPr lang="de-DE" smtClean="0"/>
-              <a:t>30.11.2022</a:t>
+              <a:t>19.01.2023</a:t>
             </a:fld>
             <a:endParaRPr lang="de-DE"/>
           </a:p>
@@ -7745,7 +7767,7 @@
           <a:p>
             <a:fld id="{28556023-671E-42BF-A541-C4F920681D33}" type="datetimeFigureOut">
               <a:rPr lang="de-DE" smtClean="0"/>
-              <a:t>30.11.2022</a:t>
+              <a:t>19.01.2023</a:t>
             </a:fld>
             <a:endParaRPr lang="de-DE"/>
           </a:p>
@@ -7943,7 +7965,7 @@
           <a:p>
             <a:fld id="{28556023-671E-42BF-A541-C4F920681D33}" type="datetimeFigureOut">
               <a:rPr lang="de-DE" smtClean="0"/>
-              <a:t>30.11.2022</a:t>
+              <a:t>19.01.2023</a:t>
             </a:fld>
             <a:endParaRPr lang="de-DE"/>
           </a:p>
@@ -8218,7 +8240,7 @@
           <a:p>
             <a:fld id="{28556023-671E-42BF-A541-C4F920681D33}" type="datetimeFigureOut">
               <a:rPr lang="de-DE" smtClean="0"/>
-              <a:t>30.11.2022</a:t>
+              <a:t>19.01.2023</a:t>
             </a:fld>
             <a:endParaRPr lang="de-DE"/>
           </a:p>
@@ -8483,7 +8505,7 @@
           <a:p>
             <a:fld id="{28556023-671E-42BF-A541-C4F920681D33}" type="datetimeFigureOut">
               <a:rPr lang="de-DE" smtClean="0"/>
-              <a:t>30.11.2022</a:t>
+              <a:t>19.01.2023</a:t>
             </a:fld>
             <a:endParaRPr lang="de-DE"/>
           </a:p>
@@ -8895,7 +8917,7 @@
           <a:p>
             <a:fld id="{28556023-671E-42BF-A541-C4F920681D33}" type="datetimeFigureOut">
               <a:rPr lang="de-DE" smtClean="0"/>
-              <a:t>30.11.2022</a:t>
+              <a:t>19.01.2023</a:t>
             </a:fld>
             <a:endParaRPr lang="de-DE"/>
           </a:p>
@@ -9036,7 +9058,7 @@
           <a:p>
             <a:fld id="{28556023-671E-42BF-A541-C4F920681D33}" type="datetimeFigureOut">
               <a:rPr lang="de-DE" smtClean="0"/>
-              <a:t>30.11.2022</a:t>
+              <a:t>19.01.2023</a:t>
             </a:fld>
             <a:endParaRPr lang="de-DE"/>
           </a:p>
@@ -9149,7 +9171,7 @@
           <a:p>
             <a:fld id="{28556023-671E-42BF-A541-C4F920681D33}" type="datetimeFigureOut">
               <a:rPr lang="de-DE" smtClean="0"/>
-              <a:t>30.11.2022</a:t>
+              <a:t>19.01.2023</a:t>
             </a:fld>
             <a:endParaRPr lang="de-DE"/>
           </a:p>
@@ -9460,7 +9482,7 @@
           <a:p>
             <a:fld id="{28556023-671E-42BF-A541-C4F920681D33}" type="datetimeFigureOut">
               <a:rPr lang="de-DE" smtClean="0"/>
-              <a:t>30.11.2022</a:t>
+              <a:t>19.01.2023</a:t>
             </a:fld>
             <a:endParaRPr lang="de-DE"/>
           </a:p>
@@ -9748,7 +9770,7 @@
           <a:p>
             <a:fld id="{28556023-671E-42BF-A541-C4F920681D33}" type="datetimeFigureOut">
               <a:rPr lang="de-DE" smtClean="0"/>
-              <a:t>30.11.2022</a:t>
+              <a:t>19.01.2023</a:t>
             </a:fld>
             <a:endParaRPr lang="de-DE"/>
           </a:p>
@@ -9989,7 +10011,7 @@
           <a:p>
             <a:fld id="{28556023-671E-42BF-A541-C4F920681D33}" type="datetimeFigureOut">
               <a:rPr lang="de-DE" smtClean="0"/>
-              <a:t>30.11.2022</a:t>
+              <a:t>19.01.2023</a:t>
             </a:fld>
             <a:endParaRPr lang="de-DE"/>
           </a:p>
@@ -10392,6 +10414,14 @@
 <file path=ppt/slides/slide1.xml><?xml version="1.0" encoding="utf-8"?>
 <p:sld xmlns:a="http://schemas.openxmlformats.org/drawingml/2006/main" xmlns:r="http://schemas.openxmlformats.org/officeDocument/2006/relationships" xmlns:p="http://schemas.openxmlformats.org/presentationml/2006/main">
   <p:cSld>
+    <p:bg>
+      <p:bgPr>
+        <a:solidFill>
+          <a:srgbClr val="FFFF00"/>
+        </a:solidFill>
+        <a:effectLst/>
+      </p:bgPr>
+    </p:bg>
     <p:spTree>
       <p:nvGrpSpPr>
         <p:cNvPr id="1" name=""/>
@@ -10406,6 +10436,42 @@
           <a:chExt cx="0" cy="0"/>
         </a:xfrm>
       </p:grpSpPr>
+      <p:pic>
+        <p:nvPicPr>
+          <p:cNvPr id="6" name="Grafik 5" descr="Ein Bild, das Text, gelb enthält.&#10;&#10;Automatisch generierte Beschreibung">
+            <a:extLst>
+              <a:ext uri="{FF2B5EF4-FFF2-40B4-BE49-F238E27FC236}">
+                <a16:creationId xmlns:a16="http://schemas.microsoft.com/office/drawing/2014/main" id="{906322C4-F4DC-2498-0697-76F72AB8311E}"/>
+              </a:ext>
+            </a:extLst>
+          </p:cNvPr>
+          <p:cNvPicPr>
+            <a:picLocks noChangeAspect="1"/>
+          </p:cNvPicPr>
+          <p:nvPr/>
+        </p:nvPicPr>
+        <p:blipFill>
+          <a:blip r:embed="rId2">
+            <a:extLst>
+              <a:ext uri="{28A0092B-C50C-407E-A947-70E740481C1C}">
+                <a14:useLocalDpi xmlns:a14="http://schemas.microsoft.com/office/drawing/2010/main" val="0"/>
+              </a:ext>
+            </a:extLst>
+          </a:blip>
+          <a:stretch>
+            <a:fillRect/>
+          </a:stretch>
+        </p:blipFill>
+        <p:spPr>
+          <a:xfrm>
+            <a:off x="5334000" y="0"/>
+            <a:ext cx="6858000" cy="6858000"/>
+          </a:xfrm>
+          <a:prstGeom prst="rect">
+            <a:avLst/>
+          </a:prstGeom>
+        </p:spPr>
+      </p:pic>
       <p:sp>
         <p:nvSpPr>
           <p:cNvPr id="2" name="Titel 1">
@@ -10424,7 +10490,7 @@
         </p:nvSpPr>
         <p:spPr>
           <a:xfrm>
-            <a:off x="1524000" y="1122363"/>
+            <a:off x="290003" y="274586"/>
             <a:ext cx="9144000" cy="1123687"/>
           </a:xfrm>
         </p:spPr>
@@ -10432,11 +10498,11 @@
           <a:bodyPr/>
           <a:lstStyle/>
           <a:p>
+            <a:pPr algn="l"/>
             <a:r>
-              <a:rPr lang="de-DE"/>
+              <a:rPr lang="de-DE" b="1" dirty="0"/>
               <a:t>Paketerkennung</a:t>
             </a:r>
-            <a:endParaRPr lang="de-DE" dirty="0"/>
           </a:p>
         </p:txBody>
       </p:sp>
@@ -10456,30 +10522,55 @@
             <p:ph type="subTitle" idx="1"/>
           </p:nvPr>
         </p:nvSpPr>
-        <p:spPr/>
+        <p:spPr>
+          <a:xfrm>
+            <a:off x="290003" y="4927652"/>
+            <a:ext cx="9144000" cy="1655762"/>
+          </a:xfrm>
+        </p:spPr>
         <p:txBody>
-          <a:bodyPr/>
+          <a:bodyPr>
+            <a:normAutofit lnSpcReduction="10000"/>
+          </a:bodyPr>
           <a:lstStyle/>
           <a:p>
             <a:pPr algn="l"/>
             <a:r>
               <a:rPr lang="de-DE" dirty="0"/>
-              <a:t>Von: Martin Pause, Jan </a:t>
+              <a:t>Von:</a:t>
+            </a:r>
+          </a:p>
+          <a:p>
+            <a:pPr algn="l"/>
+            <a:r>
+              <a:rPr lang="de-DE" dirty="0"/>
+              <a:t> Martin Pause</a:t>
+            </a:r>
+          </a:p>
+          <a:p>
+            <a:pPr algn="l"/>
+            <a:r>
+              <a:rPr lang="de-DE" dirty="0"/>
+              <a:t> Jan </a:t>
             </a:r>
             <a:r>
               <a:rPr lang="de-DE" dirty="0" err="1"/>
               <a:t>Hübchen</a:t>
             </a:r>
+            <a:endParaRPr lang="de-DE" dirty="0"/>
+          </a:p>
+          <a:p>
+            <a:pPr algn="l"/>
             <a:r>
               <a:rPr lang="de-DE" dirty="0"/>
-              <a:t>, Max Roth</a:t>
+              <a:t> Max Roth</a:t>
             </a:r>
           </a:p>
         </p:txBody>
       </p:sp>
       <mc:AlternateContent xmlns:mc="http://schemas.openxmlformats.org/markup-compatibility/2006" xmlns:p14="http://schemas.microsoft.com/office/powerpoint/2010/main">
         <mc:Choice Requires="p14">
-          <p:contentPart p14:bwMode="auto" r:id="rId2">
+          <p:contentPart p14:bwMode="auto" r:id="rId3">
             <p14:nvContentPartPr>
               <p14:cNvPr id="5" name="Freihand 4">
                 <a:extLst>
@@ -10511,7 +10602,7 @@
               <p:nvPr/>
             </p:nvPicPr>
             <p:blipFill>
-              <a:blip r:embed="rId3"/>
+              <a:blip r:embed="rId4"/>
               <a:stretch>
                 <a:fillRect/>
               </a:stretch>
@@ -10542,263 +10633,6 @@
 </file>
 
 <file path=ppt/slides/slide10.xml><?xml version="1.0" encoding="utf-8"?>
-<p:sld xmlns:a="http://schemas.openxmlformats.org/drawingml/2006/main" xmlns:r="http://schemas.openxmlformats.org/officeDocument/2006/relationships" xmlns:p="http://schemas.openxmlformats.org/presentationml/2006/main">
-  <p:cSld>
-    <p:spTree>
-      <p:nvGrpSpPr>
-        <p:cNvPr id="1" name=""/>
-        <p:cNvGrpSpPr/>
-        <p:nvPr/>
-      </p:nvGrpSpPr>
-      <p:grpSpPr>
-        <a:xfrm>
-          <a:off x="0" y="0"/>
-          <a:ext cx="0" cy="0"/>
-          <a:chOff x="0" y="0"/>
-          <a:chExt cx="0" cy="0"/>
-        </a:xfrm>
-      </p:grpSpPr>
-      <p:sp>
-        <p:nvSpPr>
-          <p:cNvPr id="3" name="Inhaltsplatzhalter 2">
-            <a:extLst>
-              <a:ext uri="{FF2B5EF4-FFF2-40B4-BE49-F238E27FC236}">
-                <a16:creationId xmlns:a16="http://schemas.microsoft.com/office/drawing/2014/main" id="{223E7ADB-4892-9D40-BC7F-D06E0B8CC549}"/>
-              </a:ext>
-            </a:extLst>
-          </p:cNvPr>
-          <p:cNvSpPr>
-            <a:spLocks noGrp="1"/>
-          </p:cNvSpPr>
-          <p:nvPr>
-            <p:ph idx="1"/>
-          </p:nvPr>
-        </p:nvSpPr>
-        <p:spPr>
-          <a:xfrm>
-            <a:off x="2021305" y="336884"/>
-            <a:ext cx="9332495" cy="6244390"/>
-          </a:xfrm>
-        </p:spPr>
-        <p:txBody>
-          <a:bodyPr>
-            <a:normAutofit lnSpcReduction="10000"/>
-          </a:bodyPr>
-          <a:lstStyle/>
-          <a:p>
-            <a:r>
-              <a:rPr lang="de-DE" dirty="0"/>
-              <a:t>Präsentationsfähigkeit herstellen</a:t>
-            </a:r>
-          </a:p>
-          <a:p>
-            <a:r>
-              <a:rPr lang="de-DE" dirty="0" err="1"/>
-              <a:t>Inference</a:t>
-            </a:r>
-            <a:r>
-              <a:rPr lang="de-DE" dirty="0"/>
-              <a:t> + Skript für Raspberry Pi</a:t>
-            </a:r>
-          </a:p>
-          <a:p>
-            <a:r>
-              <a:rPr lang="de-DE" dirty="0"/>
-              <a:t>Zuverlässiges erkennen der Pakete</a:t>
-            </a:r>
-          </a:p>
-          <a:p>
-            <a:r>
-              <a:rPr lang="de-DE" dirty="0"/>
-              <a:t>Ordnung</a:t>
-            </a:r>
-          </a:p>
-          <a:p>
-            <a:pPr marL="0" indent="0">
-              <a:buNone/>
-            </a:pPr>
-            <a:endParaRPr lang="de-DE" dirty="0"/>
-          </a:p>
-          <a:p>
-            <a:pPr marL="0" indent="0">
-              <a:buNone/>
-            </a:pPr>
-            <a:endParaRPr lang="de-DE" dirty="0"/>
-          </a:p>
-          <a:p>
-            <a:r>
-              <a:rPr lang="de-DE" dirty="0"/>
-              <a:t>Training</a:t>
-            </a:r>
-          </a:p>
-          <a:p>
-            <a:r>
-              <a:rPr lang="de-DE" dirty="0" err="1"/>
-              <a:t>Git</a:t>
-            </a:r>
-            <a:r>
-              <a:rPr lang="de-DE" dirty="0"/>
-              <a:t> aufräumen</a:t>
-            </a:r>
-          </a:p>
-          <a:p>
-            <a:r>
-              <a:rPr lang="de-DE" dirty="0"/>
-              <a:t>Pixel kategorisieren</a:t>
-            </a:r>
-          </a:p>
-          <a:p>
-            <a:r>
-              <a:rPr lang="de-DE" dirty="0"/>
-              <a:t>Gelbe Pixel erkennen</a:t>
-            </a:r>
-          </a:p>
-          <a:p>
-            <a:r>
-              <a:rPr lang="de-DE" dirty="0"/>
-              <a:t>Trainingsdaten sammeln</a:t>
-            </a:r>
-          </a:p>
-          <a:p>
-            <a:r>
-              <a:rPr lang="de-DE" dirty="0"/>
-              <a:t>Mockup</a:t>
-            </a:r>
-          </a:p>
-          <a:p>
-            <a:r>
-              <a:rPr lang="de-DE" dirty="0"/>
-              <a:t>Idee</a:t>
-            </a:r>
-          </a:p>
-        </p:txBody>
-      </p:sp>
-      <p:sp>
-        <p:nvSpPr>
-          <p:cNvPr id="4" name="Rechteck 3">
-            <a:extLst>
-              <a:ext uri="{FF2B5EF4-FFF2-40B4-BE49-F238E27FC236}">
-                <a16:creationId xmlns:a16="http://schemas.microsoft.com/office/drawing/2014/main" id="{B2FCC1C5-FD75-BDBE-2EE0-CE99BF5C5BD9}"/>
-              </a:ext>
-            </a:extLst>
-          </p:cNvPr>
-          <p:cNvSpPr/>
-          <p:nvPr/>
-        </p:nvSpPr>
-        <p:spPr>
-          <a:xfrm rot="16200000">
-            <a:off x="-1935080" y="2921667"/>
-            <a:ext cx="6244391" cy="1074821"/>
-          </a:xfrm>
-          <a:prstGeom prst="rect">
-            <a:avLst/>
-          </a:prstGeom>
-          <a:solidFill>
-            <a:schemeClr val="bg1"/>
-          </a:solidFill>
-          <a:ln w="76200">
-            <a:solidFill>
-              <a:schemeClr val="accent1"/>
-            </a:solidFill>
-          </a:ln>
-        </p:spPr>
-        <p:style>
-          <a:lnRef idx="2">
-            <a:schemeClr val="accent1">
-              <a:shade val="50000"/>
-            </a:schemeClr>
-          </a:lnRef>
-          <a:fillRef idx="1">
-            <a:schemeClr val="accent1"/>
-          </a:fillRef>
-          <a:effectRef idx="0">
-            <a:schemeClr val="accent1"/>
-          </a:effectRef>
-          <a:fontRef idx="minor">
-            <a:schemeClr val="lt1"/>
-          </a:fontRef>
-        </p:style>
-        <p:txBody>
-          <a:bodyPr rtlCol="0" anchor="ctr"/>
-          <a:lstStyle/>
-          <a:p>
-            <a:pPr algn="ctr"/>
-            <a:r>
-              <a:rPr lang="de-DE" sz="3600" dirty="0">
-                <a:solidFill>
-                  <a:schemeClr val="tx1"/>
-                </a:solidFill>
-              </a:rPr>
-              <a:t>Progress</a:t>
-            </a:r>
-          </a:p>
-        </p:txBody>
-      </p:sp>
-      <p:sp>
-        <p:nvSpPr>
-          <p:cNvPr id="5" name="Rechteck 4">
-            <a:extLst>
-              <a:ext uri="{FF2B5EF4-FFF2-40B4-BE49-F238E27FC236}">
-                <a16:creationId xmlns:a16="http://schemas.microsoft.com/office/drawing/2014/main" id="{66DB5165-B59C-8557-000F-34BB2BF0A60C}"/>
-              </a:ext>
-            </a:extLst>
-          </p:cNvPr>
-          <p:cNvSpPr/>
-          <p:nvPr/>
-        </p:nvSpPr>
-        <p:spPr>
-          <a:xfrm>
-            <a:off x="649704" y="2681056"/>
-            <a:ext cx="1074823" cy="3900217"/>
-          </a:xfrm>
-          <a:prstGeom prst="rect">
-            <a:avLst/>
-          </a:prstGeom>
-          <a:solidFill>
-            <a:schemeClr val="accent6">
-              <a:alpha val="32000"/>
-            </a:schemeClr>
-          </a:solidFill>
-        </p:spPr>
-        <p:style>
-          <a:lnRef idx="2">
-            <a:schemeClr val="accent1">
-              <a:shade val="50000"/>
-            </a:schemeClr>
-          </a:lnRef>
-          <a:fillRef idx="1">
-            <a:schemeClr val="accent1"/>
-          </a:fillRef>
-          <a:effectRef idx="0">
-            <a:schemeClr val="accent1"/>
-          </a:effectRef>
-          <a:fontRef idx="minor">
-            <a:schemeClr val="lt1"/>
-          </a:fontRef>
-        </p:style>
-        <p:txBody>
-          <a:bodyPr rtlCol="0" anchor="ctr"/>
-          <a:lstStyle/>
-          <a:p>
-            <a:pPr algn="ctr"/>
-            <a:endParaRPr lang="de-DE"/>
-          </a:p>
-        </p:txBody>
-      </p:sp>
-    </p:spTree>
-    <p:extLst>
-      <p:ext uri="{BB962C8B-B14F-4D97-AF65-F5344CB8AC3E}">
-        <p14:creationId xmlns:p14="http://schemas.microsoft.com/office/powerpoint/2010/main" val="3347798819"/>
-      </p:ext>
-    </p:extLst>
-  </p:cSld>
-  <p:clrMapOvr>
-    <a:masterClrMapping/>
-  </p:clrMapOvr>
-</p:sld>
-</file>
-
-<file path=ppt/slides/slide11.xml><?xml version="1.0" encoding="utf-8"?>
 <p:sld xmlns:a="http://schemas.openxmlformats.org/drawingml/2006/main" xmlns:r="http://schemas.openxmlformats.org/officeDocument/2006/relationships" xmlns:p="http://schemas.openxmlformats.org/presentationml/2006/main">
   <p:cSld>
     <p:spTree>
@@ -10884,6 +10718,84 @@
           </a:p>
         </p:txBody>
       </p:sp>
+      <p:pic>
+        <p:nvPicPr>
+          <p:cNvPr id="5" name="Grafik 4" descr="Abzeichen Tick1 mit einfarbiger Füllung">
+            <a:extLst>
+              <a:ext uri="{FF2B5EF4-FFF2-40B4-BE49-F238E27FC236}">
+                <a16:creationId xmlns:a16="http://schemas.microsoft.com/office/drawing/2014/main" id="{26352CBE-5725-CF45-FAB5-9FCB40BCB33E}"/>
+              </a:ext>
+            </a:extLst>
+          </p:cNvPr>
+          <p:cNvPicPr>
+            <a:picLocks noChangeAspect="1"/>
+          </p:cNvPicPr>
+          <p:nvPr/>
+        </p:nvPicPr>
+        <p:blipFill>
+          <a:blip r:embed="rId2">
+            <a:extLst>
+              <a:ext uri="{28A0092B-C50C-407E-A947-70E740481C1C}">
+                <a14:useLocalDpi xmlns:a14="http://schemas.microsoft.com/office/drawing/2010/main" val="0"/>
+              </a:ext>
+              <a:ext uri="{96DAC541-7B7A-43D3-8B79-37D633B846F1}">
+                <asvg:svgBlip xmlns:asvg="http://schemas.microsoft.com/office/drawing/2016/SVG/main" r:embed="rId3"/>
+              </a:ext>
+            </a:extLst>
+          </a:blip>
+          <a:stretch>
+            <a:fillRect/>
+          </a:stretch>
+        </p:blipFill>
+        <p:spPr>
+          <a:xfrm>
+            <a:off x="5660253" y="1825625"/>
+            <a:ext cx="466680" cy="466680"/>
+          </a:xfrm>
+          <a:prstGeom prst="rect">
+            <a:avLst/>
+          </a:prstGeom>
+        </p:spPr>
+      </p:pic>
+      <p:pic>
+        <p:nvPicPr>
+          <p:cNvPr id="6" name="Grafik 5" descr="Abzeichen Tick1 mit einfarbiger Füllung">
+            <a:extLst>
+              <a:ext uri="{FF2B5EF4-FFF2-40B4-BE49-F238E27FC236}">
+                <a16:creationId xmlns:a16="http://schemas.microsoft.com/office/drawing/2014/main" id="{800DB12F-324C-AACE-18BA-5F3ED37F8492}"/>
+              </a:ext>
+            </a:extLst>
+          </p:cNvPr>
+          <p:cNvPicPr>
+            <a:picLocks noChangeAspect="1"/>
+          </p:cNvPicPr>
+          <p:nvPr/>
+        </p:nvPicPr>
+        <p:blipFill>
+          <a:blip r:embed="rId2">
+            <a:extLst>
+              <a:ext uri="{28A0092B-C50C-407E-A947-70E740481C1C}">
+                <a14:useLocalDpi xmlns:a14="http://schemas.microsoft.com/office/drawing/2010/main" val="0"/>
+              </a:ext>
+              <a:ext uri="{96DAC541-7B7A-43D3-8B79-37D633B846F1}">
+                <asvg:svgBlip xmlns:asvg="http://schemas.microsoft.com/office/drawing/2016/SVG/main" r:embed="rId3"/>
+              </a:ext>
+            </a:extLst>
+          </a:blip>
+          <a:stretch>
+            <a:fillRect/>
+          </a:stretch>
+        </p:blipFill>
+        <p:spPr>
+          <a:xfrm>
+            <a:off x="5643606" y="2427242"/>
+            <a:ext cx="466680" cy="466680"/>
+          </a:xfrm>
+          <a:prstGeom prst="rect">
+            <a:avLst/>
+          </a:prstGeom>
+        </p:spPr>
+      </p:pic>
     </p:spTree>
     <p:extLst>
       <p:ext uri="{BB962C8B-B14F-4D97-AF65-F5344CB8AC3E}">
@@ -10897,7 +10809,7 @@
 </p:sld>
 </file>
 
-<file path=ppt/slides/slide12.xml><?xml version="1.0" encoding="utf-8"?>
+<file path=ppt/slides/slide11.xml><?xml version="1.0" encoding="utf-8"?>
 <p:sld xmlns:a="http://schemas.openxmlformats.org/drawingml/2006/main" xmlns:r="http://schemas.openxmlformats.org/officeDocument/2006/relationships" xmlns:p="http://schemas.openxmlformats.org/presentationml/2006/main">
   <p:cSld>
     <p:spTree>
@@ -10984,6 +10896,42 @@
             <a:r>
               <a:rPr lang="de-DE" dirty="0"/>
               <a:t>Grundverständnis in GitHub</a:t>
+            </a:r>
+          </a:p>
+          <a:p>
+            <a:pPr marL="0" indent="0">
+              <a:buNone/>
+            </a:pPr>
+            <a:r>
+              <a:rPr lang="de-DE" dirty="0"/>
+              <a:t>19.01.2023</a:t>
+            </a:r>
+          </a:p>
+          <a:p>
+            <a:pPr marL="0" indent="0">
+              <a:buNone/>
+            </a:pPr>
+            <a:r>
+              <a:rPr lang="de-DE" dirty="0"/>
+              <a:t>Datensatz muss gut sein</a:t>
+            </a:r>
+          </a:p>
+          <a:p>
+            <a:pPr marL="0" indent="0">
+              <a:buNone/>
+            </a:pPr>
+            <a:r>
+              <a:rPr lang="de-DE" dirty="0"/>
+              <a:t>Struktur und systematisch auf arbeiten, beim Ursprung anfangen </a:t>
+            </a:r>
+          </a:p>
+          <a:p>
+            <a:pPr marL="0" indent="0">
+              <a:buNone/>
+            </a:pPr>
+            <a:r>
+              <a:rPr lang="de-DE" dirty="0"/>
+              <a:t>Konkrete Deadline für feature etc.</a:t>
             </a:r>
           </a:p>
         </p:txBody>
@@ -11253,6 +11201,31 @@
               <a:rPr lang="de-DE" dirty="0"/>
               <a:t>Lösungsskizze</a:t>
             </a:r>
+          </a:p>
+        </p:txBody>
+      </p:sp>
+      <p:sp>
+        <p:nvSpPr>
+          <p:cNvPr id="6" name="Inhaltsplatzhalter 5">
+            <a:extLst>
+              <a:ext uri="{FF2B5EF4-FFF2-40B4-BE49-F238E27FC236}">
+                <a16:creationId xmlns:a16="http://schemas.microsoft.com/office/drawing/2014/main" id="{EC51E421-B1D4-AFC4-B024-49C06E52F09B}"/>
+              </a:ext>
+            </a:extLst>
+          </p:cNvPr>
+          <p:cNvSpPr>
+            <a:spLocks noGrp="1"/>
+          </p:cNvSpPr>
+          <p:nvPr>
+            <p:ph idx="1"/>
+          </p:nvPr>
+        </p:nvSpPr>
+        <p:spPr/>
+        <p:txBody>
+          <a:bodyPr/>
+          <a:lstStyle/>
+          <a:p>
+            <a:endParaRPr lang="de-DE"/>
           </a:p>
         </p:txBody>
       </p:sp>
@@ -23104,7 +23077,7 @@
           <a:p>
             <a:r>
               <a:rPr lang="de-DE" dirty="0"/>
-              <a:t>Eventuell Ecken, Kanten</a:t>
+              <a:t>Mittige Linie, um Entfernung festzustellen</a:t>
             </a:r>
           </a:p>
         </p:txBody>
@@ -23227,38 +23200,10 @@
       </p:grpSpPr>
       <p:sp>
         <p:nvSpPr>
-          <p:cNvPr id="2" name="Titel 1">
-            <a:extLst>
-              <a:ext uri="{FF2B5EF4-FFF2-40B4-BE49-F238E27FC236}">
-                <a16:creationId xmlns:a16="http://schemas.microsoft.com/office/drawing/2014/main" id="{8281036A-86C7-3A62-D3A4-26B9C8604647}"/>
-              </a:ext>
-            </a:extLst>
-          </p:cNvPr>
-          <p:cNvSpPr>
-            <a:spLocks noGrp="1"/>
-          </p:cNvSpPr>
-          <p:nvPr>
-            <p:ph type="title"/>
-          </p:nvPr>
-        </p:nvSpPr>
-        <p:spPr/>
-        <p:txBody>
-          <a:bodyPr/>
-          <a:lstStyle/>
-          <a:p>
-            <a:r>
-              <a:rPr lang="de-DE" dirty="0"/>
-              <a:t>Planung der nächsten zwei Wochen</a:t>
-            </a:r>
-          </a:p>
-        </p:txBody>
-      </p:sp>
-      <p:sp>
-        <p:nvSpPr>
           <p:cNvPr id="3" name="Inhaltsplatzhalter 2">
             <a:extLst>
               <a:ext uri="{FF2B5EF4-FFF2-40B4-BE49-F238E27FC236}">
-                <a16:creationId xmlns:a16="http://schemas.microsoft.com/office/drawing/2014/main" id="{713027D6-CEAC-DCE9-AC91-FFDB61A3ADD4}"/>
+                <a16:creationId xmlns:a16="http://schemas.microsoft.com/office/drawing/2014/main" id="{223E7ADB-4892-9D40-BC7F-D06E0B8CC549}"/>
               </a:ext>
             </a:extLst>
           </p:cNvPr>
@@ -23269,38 +23214,299 @@
             <p:ph idx="1"/>
           </p:nvPr>
         </p:nvSpPr>
-        <p:spPr/>
+        <p:spPr>
+          <a:xfrm>
+            <a:off x="2021305" y="336884"/>
+            <a:ext cx="9332495" cy="6244390"/>
+          </a:xfrm>
+        </p:spPr>
         <p:txBody>
-          <a:bodyPr/>
+          <a:bodyPr>
+            <a:normAutofit lnSpcReduction="10000"/>
+          </a:bodyPr>
           <a:lstStyle/>
           <a:p>
             <a:r>
+              <a:rPr lang="de-DE" dirty="0"/>
+              <a:t>Präsentationsfähigkeit herstellen</a:t>
+            </a:r>
+          </a:p>
+          <a:p>
+            <a:r>
               <a:rPr lang="de-DE" dirty="0" err="1"/>
-              <a:t>Traings</a:t>
+              <a:t>Inference</a:t>
             </a:r>
             <a:r>
               <a:rPr lang="de-DE" dirty="0"/>
-              <a:t>- und Testdaten erstellen</a:t>
+              <a:t> + Skript für Raspberry Pi</a:t>
             </a:r>
           </a:p>
           <a:p>
             <a:r>
               <a:rPr lang="de-DE" dirty="0"/>
-              <a:t>Programme zusammenfassen</a:t>
+              <a:t>Zuverlässiges erkennen der Pakete</a:t>
             </a:r>
           </a:p>
           <a:p>
+            <a:r>
+              <a:rPr lang="de-DE" dirty="0"/>
+              <a:t>Ordnung</a:t>
+            </a:r>
+          </a:p>
+          <a:p>
+            <a:pPr marL="0" indent="0">
+              <a:buNone/>
+            </a:pPr>
             <a:endParaRPr lang="de-DE" dirty="0"/>
           </a:p>
           <a:p>
-            <a:endParaRPr lang="de-DE" dirty="0"/>
+            <a:pPr marL="0" indent="0">
+              <a:buNone/>
+            </a:pPr>
+            <a:r>
+              <a:rPr lang="de-DE" dirty="0"/>
+              <a:t>Vorher</a:t>
+            </a:r>
+          </a:p>
+          <a:p>
+            <a:r>
+              <a:rPr lang="de-DE" dirty="0"/>
+              <a:t>Training</a:t>
+            </a:r>
+          </a:p>
+          <a:p>
+            <a:r>
+              <a:rPr lang="de-DE" dirty="0" err="1"/>
+              <a:t>Git</a:t>
+            </a:r>
+            <a:r>
+              <a:rPr lang="de-DE" dirty="0"/>
+              <a:t> aufräumen</a:t>
+            </a:r>
+          </a:p>
+          <a:p>
+            <a:r>
+              <a:rPr lang="de-DE" dirty="0"/>
+              <a:t>Pixel kategorisieren</a:t>
+            </a:r>
+          </a:p>
+          <a:p>
+            <a:r>
+              <a:rPr lang="de-DE" dirty="0"/>
+              <a:t>Gelbe Pixel erkennen</a:t>
+            </a:r>
+          </a:p>
+          <a:p>
+            <a:r>
+              <a:rPr lang="de-DE" dirty="0"/>
+              <a:t>Trainingsdaten sammeln</a:t>
+            </a:r>
+          </a:p>
+          <a:p>
+            <a:r>
+              <a:rPr lang="de-DE" dirty="0"/>
+              <a:t>Mockup</a:t>
+            </a:r>
+          </a:p>
+          <a:p>
+            <a:r>
+              <a:rPr lang="de-DE" dirty="0"/>
+              <a:t>Idee</a:t>
+            </a:r>
           </a:p>
         </p:txBody>
       </p:sp>
+      <p:sp>
+        <p:nvSpPr>
+          <p:cNvPr id="4" name="Rechteck 3">
+            <a:extLst>
+              <a:ext uri="{FF2B5EF4-FFF2-40B4-BE49-F238E27FC236}">
+                <a16:creationId xmlns:a16="http://schemas.microsoft.com/office/drawing/2014/main" id="{B2FCC1C5-FD75-BDBE-2EE0-CE99BF5C5BD9}"/>
+              </a:ext>
+            </a:extLst>
+          </p:cNvPr>
+          <p:cNvSpPr/>
+          <p:nvPr/>
+        </p:nvSpPr>
+        <p:spPr>
+          <a:xfrm rot="16200000">
+            <a:off x="-1935080" y="2921667"/>
+            <a:ext cx="6244391" cy="1074821"/>
+          </a:xfrm>
+          <a:prstGeom prst="rect">
+            <a:avLst/>
+          </a:prstGeom>
+          <a:solidFill>
+            <a:schemeClr val="bg1"/>
+          </a:solidFill>
+          <a:ln w="76200">
+            <a:solidFill>
+              <a:schemeClr val="accent1"/>
+            </a:solidFill>
+          </a:ln>
+        </p:spPr>
+        <p:style>
+          <a:lnRef idx="2">
+            <a:schemeClr val="accent1">
+              <a:shade val="50000"/>
+            </a:schemeClr>
+          </a:lnRef>
+          <a:fillRef idx="1">
+            <a:schemeClr val="accent1"/>
+          </a:fillRef>
+          <a:effectRef idx="0">
+            <a:schemeClr val="accent1"/>
+          </a:effectRef>
+          <a:fontRef idx="minor">
+            <a:schemeClr val="lt1"/>
+          </a:fontRef>
+        </p:style>
+        <p:txBody>
+          <a:bodyPr rtlCol="0" anchor="ctr"/>
+          <a:lstStyle/>
+          <a:p>
+            <a:pPr algn="ctr"/>
+            <a:r>
+              <a:rPr lang="de-DE" sz="3600" dirty="0">
+                <a:solidFill>
+                  <a:schemeClr val="tx1"/>
+                </a:solidFill>
+              </a:rPr>
+              <a:t>Progress</a:t>
+            </a:r>
+          </a:p>
+        </p:txBody>
+      </p:sp>
+      <p:sp>
+        <p:nvSpPr>
+          <p:cNvPr id="5" name="Rechteck 4">
+            <a:extLst>
+              <a:ext uri="{FF2B5EF4-FFF2-40B4-BE49-F238E27FC236}">
+                <a16:creationId xmlns:a16="http://schemas.microsoft.com/office/drawing/2014/main" id="{66DB5165-B59C-8557-000F-34BB2BF0A60C}"/>
+              </a:ext>
+            </a:extLst>
+          </p:cNvPr>
+          <p:cNvSpPr/>
+          <p:nvPr/>
+        </p:nvSpPr>
+        <p:spPr>
+          <a:xfrm>
+            <a:off x="649704" y="336882"/>
+            <a:ext cx="1074823" cy="6244391"/>
+          </a:xfrm>
+          <a:prstGeom prst="rect">
+            <a:avLst/>
+          </a:prstGeom>
+          <a:solidFill>
+            <a:schemeClr val="accent6">
+              <a:lumMod val="60000"/>
+              <a:lumOff val="40000"/>
+              <a:alpha val="32000"/>
+            </a:schemeClr>
+          </a:solidFill>
+        </p:spPr>
+        <p:style>
+          <a:lnRef idx="2">
+            <a:schemeClr val="accent1">
+              <a:shade val="50000"/>
+            </a:schemeClr>
+          </a:lnRef>
+          <a:fillRef idx="1">
+            <a:schemeClr val="accent1"/>
+          </a:fillRef>
+          <a:effectRef idx="0">
+            <a:schemeClr val="accent1"/>
+          </a:effectRef>
+          <a:fontRef idx="minor">
+            <a:schemeClr val="lt1"/>
+          </a:fontRef>
+        </p:style>
+        <p:txBody>
+          <a:bodyPr rtlCol="0" anchor="ctr"/>
+          <a:lstStyle/>
+          <a:p>
+            <a:pPr algn="ctr"/>
+            <a:endParaRPr lang="de-DE"/>
+          </a:p>
+        </p:txBody>
+      </p:sp>
+      <p:cxnSp>
+        <p:nvCxnSpPr>
+          <p:cNvPr id="6" name="Gerader Verbinder 5">
+            <a:extLst>
+              <a:ext uri="{FF2B5EF4-FFF2-40B4-BE49-F238E27FC236}">
+                <a16:creationId xmlns:a16="http://schemas.microsoft.com/office/drawing/2014/main" id="{2F10F397-22FB-3CFB-35CE-0AE3BFD508B9}"/>
+              </a:ext>
+            </a:extLst>
+          </p:cNvPr>
+          <p:cNvCxnSpPr/>
+          <p:nvPr/>
+        </p:nvCxnSpPr>
+        <p:spPr>
+          <a:xfrm>
+            <a:off x="649704" y="2956264"/>
+            <a:ext cx="1074823" cy="0"/>
+          </a:xfrm>
+          <a:prstGeom prst="line">
+            <a:avLst/>
+          </a:prstGeom>
+          <a:ln w="38100"/>
+        </p:spPr>
+        <p:style>
+          <a:lnRef idx="1">
+            <a:schemeClr val="accent1"/>
+          </a:lnRef>
+          <a:fillRef idx="0">
+            <a:schemeClr val="accent1"/>
+          </a:fillRef>
+          <a:effectRef idx="0">
+            <a:schemeClr val="accent1"/>
+          </a:effectRef>
+          <a:fontRef idx="minor">
+            <a:schemeClr val="tx1"/>
+          </a:fontRef>
+        </p:style>
+      </p:cxnSp>
+      <p:pic>
+        <p:nvPicPr>
+          <p:cNvPr id="7" name="Grafik 6" descr="Ein Bild, das gelb, farbig, Outdoorobjekt enthält.&#10;&#10;Automatisch generierte Beschreibung">
+            <a:extLst>
+              <a:ext uri="{FF2B5EF4-FFF2-40B4-BE49-F238E27FC236}">
+                <a16:creationId xmlns:a16="http://schemas.microsoft.com/office/drawing/2014/main" id="{CC4B8BD3-A92C-141C-590A-062E90903F2C}"/>
+              </a:ext>
+            </a:extLst>
+          </p:cNvPr>
+          <p:cNvPicPr>
+            <a:picLocks noChangeAspect="1"/>
+          </p:cNvPicPr>
+          <p:nvPr/>
+        </p:nvPicPr>
+        <p:blipFill>
+          <a:blip r:embed="rId2">
+            <a:extLst>
+              <a:ext uri="{28A0092B-C50C-407E-A947-70E740481C1C}">
+                <a14:useLocalDpi xmlns:a14="http://schemas.microsoft.com/office/drawing/2010/main" val="0"/>
+              </a:ext>
+            </a:extLst>
+          </a:blip>
+          <a:stretch>
+            <a:fillRect/>
+          </a:stretch>
+        </p:blipFill>
+        <p:spPr>
+          <a:xfrm>
+            <a:off x="7191375" y="1857375"/>
+            <a:ext cx="5000625" cy="5000625"/>
+          </a:xfrm>
+          <a:prstGeom prst="rect">
+            <a:avLst/>
+          </a:prstGeom>
+        </p:spPr>
+      </p:pic>
     </p:spTree>
     <p:extLst>
       <p:ext uri="{BB962C8B-B14F-4D97-AF65-F5344CB8AC3E}">
-        <p14:creationId xmlns:p14="http://schemas.microsoft.com/office/powerpoint/2010/main" val="3014193827"/>
+        <p14:creationId xmlns:p14="http://schemas.microsoft.com/office/powerpoint/2010/main" val="3347798819"/>
       </p:ext>
     </p:extLst>
   </p:cSld>

--- a/praesentationen/Woche1_Ergebnisse.pptx
+++ b/praesentationen/Woche1_Ergebnisse.pptx
@@ -23812,6 +23812,21 @@
 </file>
 
 <file path=customXml/item1.xml><?xml version="1.0" encoding="utf-8"?>
+<p:properties xmlns:p="http://schemas.microsoft.com/office/2006/metadata/properties" xmlns:xsi="http://www.w3.org/2001/XMLSchema-instance" xmlns:pc="http://schemas.microsoft.com/office/infopath/2007/PartnerControls">
+  <documentManagement/>
+</p:properties>
+</file>
+
+<file path=customXml/item2.xml><?xml version="1.0" encoding="utf-8"?>
+<?mso-contentType ?>
+<FormTemplates xmlns="http://schemas.microsoft.com/sharepoint/v3/contenttype/forms">
+  <Display>DocumentLibraryForm</Display>
+  <Edit>DocumentLibraryForm</Edit>
+  <New>DocumentLibraryForm</New>
+</FormTemplates>
+</file>
+
+<file path=customXml/item3.xml><?xml version="1.0" encoding="utf-8"?>
 <ct:contentTypeSchema xmlns:ct="http://schemas.microsoft.com/office/2006/metadata/contentType" xmlns:ma="http://schemas.microsoft.com/office/2006/metadata/properties/metaAttributes" ct:_="" ma:_="" ma:contentTypeName="Dokument" ma:contentTypeID="0x01010013DA34FFD23D724DA6D124D232B0C48B" ma:contentTypeVersion="2" ma:contentTypeDescription="Ein neues Dokument erstellen." ma:contentTypeScope="" ma:versionID="12faabf6fdc06e21e8350a32819c1539">
   <xsd:schema xmlns:xsd="http://www.w3.org/2001/XMLSchema" xmlns:xs="http://www.w3.org/2001/XMLSchema" xmlns:p="http://schemas.microsoft.com/office/2006/metadata/properties" xmlns:ns3="2f08a94a-169f-4fb0-94ff-23a1d20791ce" targetNamespace="http://schemas.microsoft.com/office/2006/metadata/properties" ma:root="true" ma:fieldsID="1b976c1922399edfe6145880681cfb33" ns3:_="">
     <xsd:import namespace="2f08a94a-169f-4fb0-94ff-23a1d20791ce"/>
@@ -23943,22 +23958,31 @@
 </ct:contentTypeSchema>
 </file>
 
-<file path=customXml/item2.xml><?xml version="1.0" encoding="utf-8"?>
-<?mso-contentType ?>
-<FormTemplates xmlns="http://schemas.microsoft.com/sharepoint/v3/contenttype/forms">
-  <Display>DocumentLibraryForm</Display>
-  <Edit>DocumentLibraryForm</Edit>
-  <New>DocumentLibraryForm</New>
-</FormTemplates>
-</file>
-
-<file path=customXml/item3.xml><?xml version="1.0" encoding="utf-8"?>
-<p:properties xmlns:p="http://schemas.microsoft.com/office/2006/metadata/properties" xmlns:xsi="http://www.w3.org/2001/XMLSchema-instance" xmlns:pc="http://schemas.microsoft.com/office/infopath/2007/PartnerControls">
-  <documentManagement/>
-</p:properties>
-</file>
-
 <file path=customXml/itemProps1.xml><?xml version="1.0" encoding="utf-8"?>
+<ds:datastoreItem xmlns:ds="http://schemas.openxmlformats.org/officeDocument/2006/customXml" ds:itemID="{FEEEB3F1-E176-4FC4-9649-E7AA324880EA}">
+  <ds:schemaRefs>
+    <ds:schemaRef ds:uri="http://purl.org/dc/dcmitype/"/>
+    <ds:schemaRef ds:uri="http://purl.org/dc/elements/1.1/"/>
+    <ds:schemaRef ds:uri="http://www.w3.org/XML/1998/namespace"/>
+    <ds:schemaRef ds:uri="2f08a94a-169f-4fb0-94ff-23a1d20791ce"/>
+    <ds:schemaRef ds:uri="http://purl.org/dc/terms/"/>
+    <ds:schemaRef ds:uri="http://schemas.microsoft.com/office/2006/documentManagement/types"/>
+    <ds:schemaRef ds:uri="http://schemas.microsoft.com/office/infopath/2007/PartnerControls"/>
+    <ds:schemaRef ds:uri="http://schemas.openxmlformats.org/package/2006/metadata/core-properties"/>
+    <ds:schemaRef ds:uri="http://schemas.microsoft.com/office/2006/metadata/properties"/>
+  </ds:schemaRefs>
+</ds:datastoreItem>
+</file>
+
+<file path=customXml/itemProps2.xml><?xml version="1.0" encoding="utf-8"?>
+<ds:datastoreItem xmlns:ds="http://schemas.openxmlformats.org/officeDocument/2006/customXml" ds:itemID="{1F8D0725-EF16-4B3D-999D-B89425DB8ECA}">
+  <ds:schemaRefs>
+    <ds:schemaRef ds:uri="http://schemas.microsoft.com/sharepoint/v3/contenttype/forms"/>
+  </ds:schemaRefs>
+</ds:datastoreItem>
+</file>
+
+<file path=customXml/itemProps3.xml><?xml version="1.0" encoding="utf-8"?>
 <ds:datastoreItem xmlns:ds="http://schemas.openxmlformats.org/officeDocument/2006/customXml" ds:itemID="{587EC3BD-8604-4FBC-8E1A-76CDAA3DA85F}">
   <ds:schemaRefs>
     <ds:schemaRef ds:uri="http://schemas.microsoft.com/office/2006/metadata/contentType"/>
@@ -23974,28 +23998,4 @@
     <ds:schemaRef ds:uri="http://schemas.microsoft.com/internal/obd"/>
   </ds:schemaRefs>
 </ds:datastoreItem>
-</file>
-
-<file path=customXml/itemProps2.xml><?xml version="1.0" encoding="utf-8"?>
-<ds:datastoreItem xmlns:ds="http://schemas.openxmlformats.org/officeDocument/2006/customXml" ds:itemID="{1F8D0725-EF16-4B3D-999D-B89425DB8ECA}">
-  <ds:schemaRefs>
-    <ds:schemaRef ds:uri="http://schemas.microsoft.com/sharepoint/v3/contenttype/forms"/>
-  </ds:schemaRefs>
-</ds:datastoreItem>
-</file>
-
-<file path=customXml/itemProps3.xml><?xml version="1.0" encoding="utf-8"?>
-<ds:datastoreItem xmlns:ds="http://schemas.openxmlformats.org/officeDocument/2006/customXml" ds:itemID="{FEEEB3F1-E176-4FC4-9649-E7AA324880EA}">
-  <ds:schemaRefs>
-    <ds:schemaRef ds:uri="http://purl.org/dc/dcmitype/"/>
-    <ds:schemaRef ds:uri="http://purl.org/dc/elements/1.1/"/>
-    <ds:schemaRef ds:uri="http://www.w3.org/XML/1998/namespace"/>
-    <ds:schemaRef ds:uri="2f08a94a-169f-4fb0-94ff-23a1d20791ce"/>
-    <ds:schemaRef ds:uri="http://purl.org/dc/terms/"/>
-    <ds:schemaRef ds:uri="http://schemas.microsoft.com/office/2006/documentManagement/types"/>
-    <ds:schemaRef ds:uri="http://schemas.microsoft.com/office/infopath/2007/PartnerControls"/>
-    <ds:schemaRef ds:uri="http://schemas.openxmlformats.org/package/2006/metadata/core-properties"/>
-    <ds:schemaRef ds:uri="http://schemas.microsoft.com/office/2006/metadata/properties"/>
-  </ds:schemaRefs>
-</ds:datastoreItem>
 </file>